--- a/Презентация за Описание на моя уебсайт lyubiteli na vlakove.great-site.com.pptx
+++ b/Презентация за Описание на моя уебсайт lyubiteli na vlakove.great-site.com.pptx
@@ -8087,13 +8087,13 @@
   <p:clrMapOvr>
     <a:masterClrMapping/>
   </p:clrMapOvr>
-  <mc:AlternateContent xmlns:mc="http://schemas.openxmlformats.org/markup-compatibility/2006">
-    <mc:Choice xmlns:p15="http://schemas.microsoft.com/office/powerpoint/2012/main" Requires="p15">
+  <mc:AlternateContent xmlns:mc="http://schemas.openxmlformats.org/markup-compatibility/2006" xmlns:p15="http://schemas.microsoft.com/office/powerpoint/2012/main">
+    <mc:Choice Requires="p15">
       <p:transition xmlns:p14="http://schemas.microsoft.com/office/powerpoint/2010/main" spd="slow" p14:dur="2000">
         <p15:prstTrans prst="crush"/>
       </p:transition>
     </mc:Choice>
-    <mc:Fallback>
+    <mc:Fallback xmlns="">
       <p:transition spd="slow">
         <p:fade/>
       </p:transition>
@@ -15232,7 +15232,7 @@
           <a:p>
             <a:r>
               <a:rPr lang="bg-BG" dirty="0"/>
-              <a:t>8. Какви  програмни езици съм използвал да направя моя уебсайт:</a:t>
+              <a:t>8. Какви езици съм използвал да направя моя уебсайт:</a:t>
             </a:r>
           </a:p>
         </p:txBody>
@@ -15260,7 +15260,7 @@
           <a:p>
             <a:r>
               <a:rPr lang="bg-BG" dirty="0"/>
-              <a:t>-програмен език </a:t>
+              <a:t>-език  за линкове и текст </a:t>
             </a:r>
             <a:r>
               <a:rPr lang="en-US" dirty="0"/>
@@ -15274,7 +15274,7 @@
             </a:r>
             <a:r>
               <a:rPr lang="bg-BG" dirty="0"/>
-              <a:t>програмен език </a:t>
+              <a:t>стиловия език </a:t>
             </a:r>
             <a:r>
               <a:rPr lang="en-US" dirty="0"/>

--- a/Презентация за Описание на моя уебсайт lyubiteli na vlakove.great-site.com.pptx
+++ b/Презентация за Описание на моя уебсайт lyubiteli na vlakove.great-site.com.pptx
@@ -15,7 +15,9 @@
     <p:sldId id="263" r:id="rId9"/>
     <p:sldId id="265" r:id="rId10"/>
     <p:sldId id="266" r:id="rId11"/>
-    <p:sldId id="264" r:id="rId12"/>
+    <p:sldId id="267" r:id="rId12"/>
+    <p:sldId id="268" r:id="rId13"/>
+    <p:sldId id="264" r:id="rId14"/>
   </p:sldIdLst>
   <p:sldSz cx="12192000" cy="6858000"/>
   <p:notesSz cx="6858000" cy="9144000"/>
@@ -396,7 +398,7 @@
           <a:p>
             <a:fld id="{397E0307-B85C-446A-8EF0-0407D435D787}" type="datetimeFigureOut">
               <a:rPr lang="en-US" dirty="0"/>
-              <a:t>10/28/2024</a:t>
+              <a:t>10/29/2024</a:t>
             </a:fld>
             <a:endParaRPr lang="en-US" dirty="0"/>
           </a:p>
@@ -805,7 +807,7 @@
           <a:p>
             <a:fld id="{8BD862E7-95FA-4FC4-9EC5-DDBFA8DC7417}" type="datetimeFigureOut">
               <a:rPr lang="en-US" dirty="0"/>
-              <a:t>10/28/2024</a:t>
+              <a:t>10/29/2024</a:t>
             </a:fld>
             <a:endParaRPr lang="en-US" dirty="0"/>
           </a:p>
@@ -1136,7 +1138,7 @@
           <a:p>
             <a:fld id="{8DB987F2-A784-4F72-BB57-0E9EACDE722E}" type="datetimeFigureOut">
               <a:rPr lang="en-US" dirty="0"/>
-              <a:t>10/28/2024</a:t>
+              <a:t>10/29/2024</a:t>
             </a:fld>
             <a:endParaRPr lang="en-US" dirty="0"/>
           </a:p>
@@ -1536,7 +1538,7 @@
           <a:p>
             <a:fld id="{40BBD51E-4B19-444E-85C0-DBD7EB6263F4}" type="datetimeFigureOut">
               <a:rPr lang="en-US" dirty="0"/>
-              <a:t>10/28/2024</a:t>
+              <a:t>10/29/2024</a:t>
             </a:fld>
             <a:endParaRPr lang="en-US" dirty="0"/>
           </a:p>
@@ -2099,7 +2101,7 @@
           <a:p>
             <a:fld id="{F0D7255A-4AD5-4D3E-9A0A-689DA3BA976C}" type="datetimeFigureOut">
               <a:rPr lang="en-US" dirty="0"/>
-              <a:t>10/28/2024</a:t>
+              <a:t>10/29/2024</a:t>
             </a:fld>
             <a:endParaRPr lang="en-US" dirty="0"/>
           </a:p>
@@ -2775,7 +2777,7 @@
           <a:p>
             <a:fld id="{3EE0AD15-87AC-45B2-9EE5-8D165AF83CD7}" type="datetimeFigureOut">
               <a:rPr lang="en-US" dirty="0"/>
-              <a:t>10/28/2024</a:t>
+              <a:t>10/29/2024</a:t>
             </a:fld>
             <a:endParaRPr lang="en-US" dirty="0"/>
           </a:p>
@@ -3683,7 +3685,7 @@
           <a:p>
             <a:fld id="{FCC40CCD-F0D6-4CC2-A4C8-2D7D0D875F02}" type="datetimeFigureOut">
               <a:rPr lang="en-US" dirty="0"/>
-              <a:t>10/28/2024</a:t>
+              <a:t>10/29/2024</a:t>
             </a:fld>
             <a:endParaRPr lang="en-US" dirty="0"/>
           </a:p>
@@ -3991,7 +3993,7 @@
           <a:p>
             <a:fld id="{B3CFE2CC-454D-4466-AC55-B86DA0A87BAE}" type="datetimeFigureOut">
               <a:rPr lang="en-US" dirty="0"/>
-              <a:t>10/28/2024</a:t>
+              <a:t>10/29/2024</a:t>
             </a:fld>
             <a:endParaRPr lang="en-US" dirty="0"/>
           </a:p>
@@ -4250,7 +4252,7 @@
           <a:p>
             <a:fld id="{B647B1BF-4039-460D-A637-65428CBD720E}" type="datetimeFigureOut">
               <a:rPr lang="en-US" dirty="0"/>
-              <a:t>10/28/2024</a:t>
+              <a:t>10/29/2024</a:t>
             </a:fld>
             <a:endParaRPr lang="en-US" dirty="0"/>
           </a:p>
@@ -4569,7 +4571,7 @@
           <a:p>
             <a:fld id="{AAA39ACE-9343-4EBE-B5CA-AEA240A1DC53}" type="datetimeFigureOut">
               <a:rPr lang="en-US" dirty="0"/>
-              <a:t>10/28/2024</a:t>
+              <a:t>10/29/2024</a:t>
             </a:fld>
             <a:endParaRPr lang="en-US" dirty="0"/>
           </a:p>
@@ -4953,7 +4955,7 @@
           <a:p>
             <a:fld id="{C9A00F7B-89C5-4DF7-A309-6263220147D4}" type="datetimeFigureOut">
               <a:rPr lang="en-US" dirty="0"/>
-              <a:t>10/28/2024</a:t>
+              <a:t>10/29/2024</a:t>
             </a:fld>
             <a:endParaRPr lang="en-US" dirty="0"/>
           </a:p>
@@ -5324,7 +5326,7 @@
           <a:p>
             <a:fld id="{449C95DE-FD64-4606-AE61-EC1136867CC6}" type="datetimeFigureOut">
               <a:rPr lang="en-US" dirty="0"/>
-              <a:t>10/28/2024</a:t>
+              <a:t>10/29/2024</a:t>
             </a:fld>
             <a:endParaRPr lang="en-US" dirty="0"/>
           </a:p>
@@ -5825,7 +5827,7 @@
           <a:p>
             <a:fld id="{5DEB0BBD-30FE-4CF1-900A-0C45149F8AF8}" type="datetimeFigureOut">
               <a:rPr lang="en-US" dirty="0"/>
-              <a:t>10/28/2024</a:t>
+              <a:t>10/29/2024</a:t>
             </a:fld>
             <a:endParaRPr lang="en-US" dirty="0"/>
           </a:p>
@@ -6077,7 +6079,7 @@
           <a:p>
             <a:fld id="{B91A5F7F-3E81-4C65-A4D1-CB62D5B9DB91}" type="datetimeFigureOut">
               <a:rPr lang="en-US" dirty="0"/>
-              <a:t>10/28/2024</a:t>
+              <a:t>10/29/2024</a:t>
             </a:fld>
             <a:endParaRPr lang="en-US" dirty="0"/>
           </a:p>
@@ -6235,7 +6237,7 @@
           <a:p>
             <a:fld id="{377ECC86-1672-4627-AEFE-EC5485C73905}" type="datetimeFigureOut">
               <a:rPr lang="en-US" dirty="0"/>
-              <a:t>10/28/2024</a:t>
+              <a:t>10/29/2024</a:t>
             </a:fld>
             <a:endParaRPr lang="en-US" dirty="0"/>
           </a:p>
@@ -6620,7 +6622,7 @@
           <a:p>
             <a:fld id="{3CDCB01F-D966-4C62-B900-0BE008A90C98}" type="datetimeFigureOut">
               <a:rPr lang="en-US" dirty="0"/>
-              <a:t>10/28/2024</a:t>
+              <a:t>10/29/2024</a:t>
             </a:fld>
             <a:endParaRPr lang="en-US" dirty="0"/>
           </a:p>
@@ -7024,7 +7026,7 @@
           <a:p>
             <a:fld id="{5E73A0EA-7DC7-4964-BB97-B173EF3B859A}" type="datetimeFigureOut">
               <a:rPr lang="en-US" dirty="0"/>
-              <a:t>10/28/2024</a:t>
+              <a:t>10/29/2024</a:t>
             </a:fld>
             <a:endParaRPr lang="en-US" dirty="0"/>
           </a:p>
@@ -7263,7 +7265,7 @@
           <a:p>
             <a:fld id="{30EF52CC-F3D9-41D4-BCE4-C208E61A3F31}" type="datetimeFigureOut">
               <a:rPr lang="en-US" dirty="0"/>
-              <a:t>10/28/2024</a:t>
+              <a:t>10/29/2024</a:t>
             </a:fld>
             <a:endParaRPr lang="en-US" dirty="0"/>
           </a:p>
@@ -9247,6 +9249,233 @@
           <p:cNvPr id="2" name="Заглавие 1">
             <a:extLst>
               <a:ext uri="{FF2B5EF4-FFF2-40B4-BE49-F238E27FC236}">
+                <a16:creationId xmlns:a16="http://schemas.microsoft.com/office/drawing/2014/main" id="{97A4EAD1-D2AA-9202-184B-91C4512B2C3C}"/>
+              </a:ext>
+            </a:extLst>
+          </p:cNvPr>
+          <p:cNvSpPr>
+            <a:spLocks noGrp="1"/>
+          </p:cNvSpPr>
+          <p:nvPr>
+            <p:ph type="title"/>
+          </p:nvPr>
+        </p:nvSpPr>
+        <p:spPr/>
+        <p:txBody>
+          <a:bodyPr>
+            <a:normAutofit/>
+          </a:bodyPr>
+          <a:lstStyle/>
+          <a:p>
+            <a:r>
+              <a:rPr lang="ru-RU" dirty="0"/>
+              <a:t>10.Най-трудния писан код</a:t>
+            </a:r>
+            <a:endParaRPr lang="bg-BG" dirty="0"/>
+          </a:p>
+        </p:txBody>
+      </p:sp>
+      <p:sp>
+        <p:nvSpPr>
+          <p:cNvPr id="3" name="Контейнер за съдържание 2">
+            <a:extLst>
+              <a:ext uri="{FF2B5EF4-FFF2-40B4-BE49-F238E27FC236}">
+                <a16:creationId xmlns:a16="http://schemas.microsoft.com/office/drawing/2014/main" id="{65B2AD02-074C-C3E3-657E-F894E6B74794}"/>
+              </a:ext>
+            </a:extLst>
+          </p:cNvPr>
+          <p:cNvSpPr>
+            <a:spLocks noGrp="1"/>
+          </p:cNvSpPr>
+          <p:nvPr>
+            <p:ph idx="1"/>
+          </p:nvPr>
+        </p:nvSpPr>
+        <p:spPr/>
+        <p:txBody>
+          <a:bodyPr/>
+          <a:lstStyle/>
+          <a:p>
+            <a:r>
+              <a:rPr lang="ru-RU" dirty="0"/>
+              <a:t>Най-трудния</a:t>
+            </a:r>
+            <a:r>
+              <a:rPr lang="bg-BG" dirty="0"/>
+              <a:t>т</a:t>
+            </a:r>
+            <a:r>
+              <a:rPr lang="ru-RU" dirty="0"/>
+              <a:t> код, който съм използвал, е кодът за JavaScript анимация, който се намира в т.5 и 6 на тази презентация. С него съм показал визуално скоростта на всеки отделен влак. С този код съм най-горд. </a:t>
+            </a:r>
+            <a:endParaRPr lang="bg-BG" dirty="0"/>
+          </a:p>
+        </p:txBody>
+      </p:sp>
+    </p:spTree>
+    <p:extLst>
+      <p:ext uri="{BB962C8B-B14F-4D97-AF65-F5344CB8AC3E}">
+        <p14:creationId xmlns:p14="http://schemas.microsoft.com/office/powerpoint/2010/main" val="2371126844"/>
+      </p:ext>
+    </p:extLst>
+  </p:cSld>
+  <p:clrMapOvr>
+    <a:masterClrMapping/>
+  </p:clrMapOvr>
+</p:sld>
+</file>
+
+<file path=ppt/slides/slide12.xml><?xml version="1.0" encoding="utf-8"?>
+<p:sld xmlns:a="http://schemas.openxmlformats.org/drawingml/2006/main" xmlns:r="http://schemas.openxmlformats.org/officeDocument/2006/relationships" xmlns:p="http://schemas.openxmlformats.org/presentationml/2006/main">
+  <p:cSld>
+    <p:spTree>
+      <p:nvGrpSpPr>
+        <p:cNvPr id="1" name=""/>
+        <p:cNvGrpSpPr/>
+        <p:nvPr/>
+      </p:nvGrpSpPr>
+      <p:grpSpPr>
+        <a:xfrm>
+          <a:off x="0" y="0"/>
+          <a:ext cx="0" cy="0"/>
+          <a:chOff x="0" y="0"/>
+          <a:chExt cx="0" cy="0"/>
+        </a:xfrm>
+      </p:grpSpPr>
+      <p:sp>
+        <p:nvSpPr>
+          <p:cNvPr id="2" name="Заглавие 1">
+            <a:extLst>
+              <a:ext uri="{FF2B5EF4-FFF2-40B4-BE49-F238E27FC236}">
+                <a16:creationId xmlns:a16="http://schemas.microsoft.com/office/drawing/2014/main" id="{BBCE601A-8EDB-DE1C-1811-9ECFD45C4CF8}"/>
+              </a:ext>
+            </a:extLst>
+          </p:cNvPr>
+          <p:cNvSpPr>
+            <a:spLocks noGrp="1"/>
+          </p:cNvSpPr>
+          <p:nvPr>
+            <p:ph type="title"/>
+          </p:nvPr>
+        </p:nvSpPr>
+        <p:spPr/>
+        <p:txBody>
+          <a:bodyPr/>
+          <a:lstStyle/>
+          <a:p>
+            <a:r>
+              <a:rPr lang="bg-BG" dirty="0"/>
+              <a:t>11. За изтегляне на моя уебсайт</a:t>
+            </a:r>
+            <a:r>
+              <a:rPr lang="en-US" dirty="0"/>
+              <a:t> lyubiteli</a:t>
+            </a:r>
+            <a:br>
+              <a:rPr lang="en-US" dirty="0"/>
+            </a:br>
+            <a:r>
+              <a:rPr lang="en-US" dirty="0"/>
+              <a:t> na vlakove.great-site.com </a:t>
+            </a:r>
+            <a:endParaRPr lang="bg-BG" dirty="0"/>
+          </a:p>
+        </p:txBody>
+      </p:sp>
+      <p:sp>
+        <p:nvSpPr>
+          <p:cNvPr id="3" name="Контейнер за съдържание 2">
+            <a:extLst>
+              <a:ext uri="{FF2B5EF4-FFF2-40B4-BE49-F238E27FC236}">
+                <a16:creationId xmlns:a16="http://schemas.microsoft.com/office/drawing/2014/main" id="{290DC215-9DED-D533-E418-FCD7EE238018}"/>
+              </a:ext>
+            </a:extLst>
+          </p:cNvPr>
+          <p:cNvSpPr>
+            <a:spLocks noGrp="1"/>
+          </p:cNvSpPr>
+          <p:nvPr>
+            <p:ph idx="1"/>
+          </p:nvPr>
+        </p:nvSpPr>
+        <p:spPr/>
+        <p:txBody>
+          <a:bodyPr/>
+          <a:lstStyle/>
+          <a:p>
+            <a:r>
+              <a:rPr lang="ru-RU" dirty="0"/>
+              <a:t>Ако теглите моя уебсайт да не забравите, че трябва изтеглените снимки да се сложат в папка, която да се казва lyubitelinavlakove-snimki</a:t>
+            </a:r>
+            <a:endParaRPr lang="en-US" dirty="0"/>
+          </a:p>
+          <a:p>
+            <a:endParaRPr lang="en-US" dirty="0"/>
+          </a:p>
+          <a:p>
+            <a:r>
+              <a:rPr lang="bg-BG" dirty="0"/>
+              <a:t>И да допълня, че името на уебсайта ми е </a:t>
+            </a:r>
+            <a:r>
+              <a:rPr lang="en-US" dirty="0"/>
+              <a:t>lyubiteli                    na vlakove.great-site.com, </a:t>
+            </a:r>
+            <a:r>
+              <a:rPr lang="bg-BG" dirty="0"/>
+              <a:t>но </a:t>
+            </a:r>
+            <a:r>
+              <a:rPr lang="en-US" dirty="0"/>
+              <a:t>URL </a:t>
+            </a:r>
+            <a:r>
+              <a:rPr lang="bg-BG" dirty="0"/>
+              <a:t>адреса за публикуване е </a:t>
+            </a:r>
+            <a:r>
+              <a:rPr lang="en-US" dirty="0"/>
+              <a:t>lyubiteli za vlakove.great-site.com </a:t>
+            </a:r>
+            <a:endParaRPr lang="bg-BG" dirty="0"/>
+          </a:p>
+        </p:txBody>
+      </p:sp>
+    </p:spTree>
+    <p:extLst>
+      <p:ext uri="{BB962C8B-B14F-4D97-AF65-F5344CB8AC3E}">
+        <p14:creationId xmlns:p14="http://schemas.microsoft.com/office/powerpoint/2010/main" val="1281750705"/>
+      </p:ext>
+    </p:extLst>
+  </p:cSld>
+  <p:clrMapOvr>
+    <a:masterClrMapping/>
+  </p:clrMapOvr>
+</p:sld>
+</file>
+
+<file path=ppt/slides/slide13.xml><?xml version="1.0" encoding="utf-8"?>
+<p:sld xmlns:a="http://schemas.openxmlformats.org/drawingml/2006/main" xmlns:r="http://schemas.openxmlformats.org/officeDocument/2006/relationships" xmlns:p="http://schemas.openxmlformats.org/presentationml/2006/main">
+  <p:cSld>
+    <p:spTree>
+      <p:nvGrpSpPr>
+        <p:cNvPr id="1" name=""/>
+        <p:cNvGrpSpPr/>
+        <p:nvPr/>
+      </p:nvGrpSpPr>
+      <p:grpSpPr>
+        <a:xfrm>
+          <a:off x="0" y="0"/>
+          <a:ext cx="0" cy="0"/>
+          <a:chOff x="0" y="0"/>
+          <a:chExt cx="0" cy="0"/>
+        </a:xfrm>
+      </p:grpSpPr>
+      <p:sp>
+        <p:nvSpPr>
+          <p:cNvPr id="2" name="Заглавие 1">
+            <a:extLst>
+              <a:ext uri="{FF2B5EF4-FFF2-40B4-BE49-F238E27FC236}">
                 <a16:creationId xmlns:a16="http://schemas.microsoft.com/office/drawing/2014/main" id="{F178C3A6-062C-2E60-C34D-3DD00DEEEBA6}"/>
               </a:ext>
             </a:extLst>
@@ -11345,13 +11574,13 @@
         </p:nvSpPr>
         <p:spPr>
           <a:xfrm>
-            <a:off x="680321" y="2006354"/>
-            <a:ext cx="9613861" cy="4851646"/>
+            <a:off x="142044" y="2157274"/>
+            <a:ext cx="11771790" cy="4554244"/>
           </a:xfrm>
         </p:spPr>
         <p:txBody>
           <a:bodyPr>
-            <a:normAutofit fontScale="85000" lnSpcReduction="10000"/>
+            <a:normAutofit fontScale="85000" lnSpcReduction="20000"/>
           </a:bodyPr>
           <a:lstStyle/>
           <a:p>
@@ -11484,8 +11713,27 @@
             </a:r>
             <a:r>
               <a:rPr lang="bg-BG" dirty="0"/>
-              <a:t>адресите не работят. Или изчакайте и пробвайте пак.</a:t>
-            </a:r>
+              <a:t>адресите не работят. Или изчакайте и пробвайте пак. </a:t>
+            </a:r>
+          </a:p>
+          <a:p>
+            <a:r>
+              <a:rPr lang="bg-BG" dirty="0"/>
+              <a:t>Уебсайтът скоро ще бъде публикуван, защото възникнаха някакви проблеми, и ще можете да използвате </a:t>
+            </a:r>
+            <a:r>
+              <a:rPr lang="en-US" dirty="0"/>
+              <a:t>URL </a:t>
+            </a:r>
+            <a:r>
+              <a:rPr lang="bg-BG" dirty="0"/>
+              <a:t>адресите да влизате направо в моя уебсайт </a:t>
+            </a:r>
+            <a:r>
+              <a:rPr lang="en-US" dirty="0"/>
+              <a:t>lyubitelizavlakove.great-site.net.</a:t>
+            </a:r>
+            <a:endParaRPr lang="bg-BG" dirty="0"/>
           </a:p>
         </p:txBody>
       </p:sp>
@@ -11990,6 +12238,67 @@
                                           <p:spTgt spid="3">
                                             <p:txEl>
                                               <p:pRg st="8" end="8"/>
+                                            </p:txEl>
+                                          </p:spTgt>
+                                        </p:tgtEl>
+                                      </p:cBhvr>
+                                    </p:animEffect>
+                                  </p:childTnLst>
+                                </p:cTn>
+                              </p:par>
+                            </p:childTnLst>
+                          </p:cTn>
+                        </p:par>
+                      </p:childTnLst>
+                    </p:cTn>
+                  </p:par>
+                  <p:par>
+                    <p:cTn id="41" fill="hold">
+                      <p:stCondLst>
+                        <p:cond delay="indefinite"/>
+                      </p:stCondLst>
+                      <p:childTnLst>
+                        <p:par>
+                          <p:cTn id="42" fill="hold">
+                            <p:stCondLst>
+                              <p:cond delay="0"/>
+                            </p:stCondLst>
+                            <p:childTnLst>
+                              <p:par>
+                                <p:cTn id="43" presetID="21" presetClass="entr" presetSubtype="1" fill="hold" nodeType="clickEffect">
+                                  <p:stCondLst>
+                                    <p:cond delay="0"/>
+                                  </p:stCondLst>
+                                  <p:childTnLst>
+                                    <p:set>
+                                      <p:cBhvr>
+                                        <p:cTn id="44" dur="1" fill="hold">
+                                          <p:stCondLst>
+                                            <p:cond delay="0"/>
+                                          </p:stCondLst>
+                                        </p:cTn>
+                                        <p:tgtEl>
+                                          <p:spTgt spid="3">
+                                            <p:txEl>
+                                              <p:pRg st="9" end="9"/>
+                                            </p:txEl>
+                                          </p:spTgt>
+                                        </p:tgtEl>
+                                        <p:attrNameLst>
+                                          <p:attrName>style.visibility</p:attrName>
+                                        </p:attrNameLst>
+                                      </p:cBhvr>
+                                      <p:to>
+                                        <p:strVal val="visible"/>
+                                      </p:to>
+                                    </p:set>
+                                    <p:animEffect transition="in" filter="wheel(1)">
+                                      <p:cBhvr>
+                                        <p:cTn id="45" dur="2000"/>
+                                        <p:tgtEl>
+                                          <p:spTgt spid="3">
+                                            <p:txEl>
+                                              <p:pRg st="9" end="9"/>
                                             </p:txEl>
                                           </p:spTgt>
                                         </p:tgtEl>
@@ -13550,15 +13859,7 @@
             </a:r>
             <a:r>
               <a:rPr lang="ru-RU" dirty="0"/>
-              <a:t>кода, с който много се </a:t>
-            </a:r>
-            <a:r>
-              <a:rPr lang="ru-RU" dirty="0" err="1"/>
-              <a:t>гордея</a:t>
-            </a:r>
-            <a:r>
-              <a:rPr lang="ru-RU" dirty="0"/>
-              <a:t> - втора част:</a:t>
+              <a:t>кода, с който много се гордея - втора част:</a:t>
             </a:r>
             <a:endParaRPr lang="bg-BG" dirty="0"/>
           </a:p>

--- a/Презентация за Описание на моя уебсайт lyubiteli na vlakove.great-site.com.pptx
+++ b/Презентация за Описание на моя уебсайт lyubiteli na vlakove.great-site.com.pptx
@@ -11719,7 +11719,7 @@
           <a:p>
             <a:r>
               <a:rPr lang="bg-BG" dirty="0"/>
-              <a:t>Уебсайтът скоро ще бъде публикуван, защото възникнаха някакви проблеми, и ще можете да използвате </a:t>
+              <a:t>Уебсайтът е публикуван и за да го стартирате използвайте </a:t>
             </a:r>
             <a:r>
               <a:rPr lang="en-US" dirty="0"/>
@@ -11727,7 +11727,7 @@
             </a:r>
             <a:r>
               <a:rPr lang="bg-BG" dirty="0"/>
-              <a:t>адресите да влизате направо в моя уебсайт </a:t>
+              <a:t>адреса на моя уебсайт: </a:t>
             </a:r>
             <a:r>
               <a:rPr lang="en-US" dirty="0"/>

--- a/Презентация за Описание на моя уебсайт lyubiteli na vlakove.great-site.com.pptx
+++ b/Презентация за Описание на моя уебсайт lyubiteli na vlakove.great-site.com.pptx
@@ -11580,7 +11580,7 @@
         </p:spPr>
         <p:txBody>
           <a:bodyPr>
-            <a:normAutofit fontScale="85000" lnSpcReduction="20000"/>
+            <a:normAutofit fontScale="77500" lnSpcReduction="20000"/>
           </a:bodyPr>
           <a:lstStyle/>
           <a:p>
@@ -11594,7 +11594,14 @@
             </a:r>
             <a:r>
               <a:rPr lang="bg-BG" dirty="0"/>
-              <a:t>адрес: </a:t>
+              <a:t>адрес:</a:t>
+            </a:r>
+            <a:endParaRPr lang="en-US" dirty="0"/>
+          </a:p>
+          <a:p>
+            <a:r>
+              <a:rPr lang="bg-BG" dirty="0"/>
+              <a:t> </a:t>
             </a:r>
             <a:r>
               <a:rPr lang="en-US" dirty="0">
@@ -11604,11 +11611,17 @@
             </a:r>
             <a:r>
               <a:rPr lang="bg-BG" dirty="0"/>
-              <a:t>   или да напишете в </a:t>
+              <a:t>  или да напишете в </a:t>
             </a:r>
             <a:r>
               <a:rPr lang="en-US" dirty="0"/>
-              <a:t>Google  lyubitelizavlakove.great-site.net</a:t>
+              <a:t>Google</a:t>
+            </a:r>
+          </a:p>
+          <a:p>
+            <a:r>
+              <a:rPr lang="en-US" dirty="0"/>
+              <a:t>  lyubitelizavlakove.great-site.net</a:t>
             </a:r>
             <a:r>
               <a:rPr lang="bg-BG" dirty="0"/>
@@ -11705,7 +11718,14 @@
           <a:p>
             <a:r>
               <a:rPr lang="bg-BG" dirty="0"/>
-              <a:t>Или напишете „бързи влакове, видове влакове, контакти, сравнение за скоростите, странни влакове“, ако </a:t>
+              <a:t>Или напишете „бързи влакове, видове влакове, контакти, сравнение за скоростите, странни </a:t>
+            </a:r>
+            <a:endParaRPr lang="en-US" dirty="0"/>
+          </a:p>
+          <a:p>
+            <a:r>
+              <a:rPr lang="bg-BG" dirty="0"/>
+              <a:t>влакове“, ако </a:t>
             </a:r>
             <a:r>
               <a:rPr lang="en-US" dirty="0"/>
@@ -11927,15 +11947,33 @@
                                   </p:childTnLst>
                                 </p:cTn>
                               </p:par>
+                            </p:childTnLst>
+                          </p:cTn>
+                        </p:par>
+                      </p:childTnLst>
+                    </p:cTn>
+                  </p:par>
+                  <p:par>
+                    <p:cTn id="18" fill="hold">
+                      <p:stCondLst>
+                        <p:cond delay="indefinite"/>
+                      </p:stCondLst>
+                      <p:childTnLst>
+                        <p:par>
+                          <p:cTn id="19" fill="hold">
+                            <p:stCondLst>
+                              <p:cond delay="0"/>
+                            </p:stCondLst>
+                            <p:childTnLst>
                               <p:par>
-                                <p:cTn id="18" presetID="21" presetClass="entr" presetSubtype="1" fill="hold" nodeType="withEffect">
+                                <p:cTn id="20" presetID="21" presetClass="entr" presetSubtype="1" fill="hold" nodeType="clickEffect">
                                   <p:stCondLst>
                                     <p:cond delay="0"/>
                                   </p:stCondLst>
                                   <p:childTnLst>
                                     <p:set>
                                       <p:cBhvr>
-                                        <p:cTn id="19" dur="1" fill="hold">
+                                        <p:cTn id="21" dur="1" fill="hold">
                                           <p:stCondLst>
                                             <p:cond delay="0"/>
                                           </p:stCondLst>
@@ -11957,226 +11995,11 @@
                                     </p:set>
                                     <p:animEffect transition="in" filter="wheel(1)">
                                       <p:cBhvr>
-                                        <p:cTn id="20" dur="2000"/>
+                                        <p:cTn id="22" dur="2000"/>
                                         <p:tgtEl>
                                           <p:spTgt spid="3">
                                             <p:txEl>
                                               <p:pRg st="2" end="2"/>
-                                            </p:txEl>
-                                          </p:spTgt>
-                                        </p:tgtEl>
-                                      </p:cBhvr>
-                                    </p:animEffect>
-                                  </p:childTnLst>
-                                </p:cTn>
-                              </p:par>
-                              <p:par>
-                                <p:cTn id="21" presetID="21" presetClass="entr" presetSubtype="1" fill="hold" nodeType="withEffect">
-                                  <p:stCondLst>
-                                    <p:cond delay="0"/>
-                                  </p:stCondLst>
-                                  <p:childTnLst>
-                                    <p:set>
-                                      <p:cBhvr>
-                                        <p:cTn id="22" dur="1" fill="hold">
-                                          <p:stCondLst>
-                                            <p:cond delay="0"/>
-                                          </p:stCondLst>
-                                        </p:cTn>
-                                        <p:tgtEl>
-                                          <p:spTgt spid="3">
-                                            <p:txEl>
-                                              <p:pRg st="3" end="3"/>
-                                            </p:txEl>
-                                          </p:spTgt>
-                                        </p:tgtEl>
-                                        <p:attrNameLst>
-                                          <p:attrName>style.visibility</p:attrName>
-                                        </p:attrNameLst>
-                                      </p:cBhvr>
-                                      <p:to>
-                                        <p:strVal val="visible"/>
-                                      </p:to>
-                                    </p:set>
-                                    <p:animEffect transition="in" filter="wheel(1)">
-                                      <p:cBhvr>
-                                        <p:cTn id="23" dur="2000"/>
-                                        <p:tgtEl>
-                                          <p:spTgt spid="3">
-                                            <p:txEl>
-                                              <p:pRg st="3" end="3"/>
-                                            </p:txEl>
-                                          </p:spTgt>
-                                        </p:tgtEl>
-                                      </p:cBhvr>
-                                    </p:animEffect>
-                                  </p:childTnLst>
-                                </p:cTn>
-                              </p:par>
-                              <p:par>
-                                <p:cTn id="24" presetID="21" presetClass="entr" presetSubtype="1" fill="hold" nodeType="withEffect">
-                                  <p:stCondLst>
-                                    <p:cond delay="0"/>
-                                  </p:stCondLst>
-                                  <p:childTnLst>
-                                    <p:set>
-                                      <p:cBhvr>
-                                        <p:cTn id="25" dur="1" fill="hold">
-                                          <p:stCondLst>
-                                            <p:cond delay="0"/>
-                                          </p:stCondLst>
-                                        </p:cTn>
-                                        <p:tgtEl>
-                                          <p:spTgt spid="3">
-                                            <p:txEl>
-                                              <p:pRg st="4" end="4"/>
-                                            </p:txEl>
-                                          </p:spTgt>
-                                        </p:tgtEl>
-                                        <p:attrNameLst>
-                                          <p:attrName>style.visibility</p:attrName>
-                                        </p:attrNameLst>
-                                      </p:cBhvr>
-                                      <p:to>
-                                        <p:strVal val="visible"/>
-                                      </p:to>
-                                    </p:set>
-                                    <p:animEffect transition="in" filter="wheel(1)">
-                                      <p:cBhvr>
-                                        <p:cTn id="26" dur="2000"/>
-                                        <p:tgtEl>
-                                          <p:spTgt spid="3">
-                                            <p:txEl>
-                                              <p:pRg st="4" end="4"/>
-                                            </p:txEl>
-                                          </p:spTgt>
-                                        </p:tgtEl>
-                                      </p:cBhvr>
-                                    </p:animEffect>
-                                  </p:childTnLst>
-                                </p:cTn>
-                              </p:par>
-                              <p:par>
-                                <p:cTn id="27" presetID="21" presetClass="entr" presetSubtype="1" fill="hold" nodeType="withEffect">
-                                  <p:stCondLst>
-                                    <p:cond delay="0"/>
-                                  </p:stCondLst>
-                                  <p:childTnLst>
-                                    <p:set>
-                                      <p:cBhvr>
-                                        <p:cTn id="28" dur="1" fill="hold">
-                                          <p:stCondLst>
-                                            <p:cond delay="0"/>
-                                          </p:stCondLst>
-                                        </p:cTn>
-                                        <p:tgtEl>
-                                          <p:spTgt spid="3">
-                                            <p:txEl>
-                                              <p:pRg st="5" end="5"/>
-                                            </p:txEl>
-                                          </p:spTgt>
-                                        </p:tgtEl>
-                                        <p:attrNameLst>
-                                          <p:attrName>style.visibility</p:attrName>
-                                        </p:attrNameLst>
-                                      </p:cBhvr>
-                                      <p:to>
-                                        <p:strVal val="visible"/>
-                                      </p:to>
-                                    </p:set>
-                                    <p:animEffect transition="in" filter="wheel(1)">
-                                      <p:cBhvr>
-                                        <p:cTn id="29" dur="2000"/>
-                                        <p:tgtEl>
-                                          <p:spTgt spid="3">
-                                            <p:txEl>
-                                              <p:pRg st="5" end="5"/>
-                                            </p:txEl>
-                                          </p:spTgt>
-                                        </p:tgtEl>
-                                      </p:cBhvr>
-                                    </p:animEffect>
-                                  </p:childTnLst>
-                                </p:cTn>
-                              </p:par>
-                              <p:par>
-                                <p:cTn id="30" presetID="21" presetClass="entr" presetSubtype="1" fill="hold" nodeType="withEffect">
-                                  <p:stCondLst>
-                                    <p:cond delay="0"/>
-                                  </p:stCondLst>
-                                  <p:childTnLst>
-                                    <p:set>
-                                      <p:cBhvr>
-                                        <p:cTn id="31" dur="1" fill="hold">
-                                          <p:stCondLst>
-                                            <p:cond delay="0"/>
-                                          </p:stCondLst>
-                                        </p:cTn>
-                                        <p:tgtEl>
-                                          <p:spTgt spid="3">
-                                            <p:txEl>
-                                              <p:pRg st="6" end="6"/>
-                                            </p:txEl>
-                                          </p:spTgt>
-                                        </p:tgtEl>
-                                        <p:attrNameLst>
-                                          <p:attrName>style.visibility</p:attrName>
-                                        </p:attrNameLst>
-                                      </p:cBhvr>
-                                      <p:to>
-                                        <p:strVal val="visible"/>
-                                      </p:to>
-                                    </p:set>
-                                    <p:animEffect transition="in" filter="wheel(1)">
-                                      <p:cBhvr>
-                                        <p:cTn id="32" dur="2000"/>
-                                        <p:tgtEl>
-                                          <p:spTgt spid="3">
-                                            <p:txEl>
-                                              <p:pRg st="6" end="6"/>
-                                            </p:txEl>
-                                          </p:spTgt>
-                                        </p:tgtEl>
-                                      </p:cBhvr>
-                                    </p:animEffect>
-                                  </p:childTnLst>
-                                </p:cTn>
-                              </p:par>
-                              <p:par>
-                                <p:cTn id="33" presetID="21" presetClass="entr" presetSubtype="1" fill="hold" nodeType="withEffect">
-                                  <p:stCondLst>
-                                    <p:cond delay="0"/>
-                                  </p:stCondLst>
-                                  <p:childTnLst>
-                                    <p:set>
-                                      <p:cBhvr>
-                                        <p:cTn id="34" dur="1" fill="hold">
-                                          <p:stCondLst>
-                                            <p:cond delay="0"/>
-                                          </p:stCondLst>
-                                        </p:cTn>
-                                        <p:tgtEl>
-                                          <p:spTgt spid="3">
-                                            <p:txEl>
-                                              <p:pRg st="7" end="7"/>
-                                            </p:txEl>
-                                          </p:spTgt>
-                                        </p:tgtEl>
-                                        <p:attrNameLst>
-                                          <p:attrName>style.visibility</p:attrName>
-                                        </p:attrNameLst>
-                                      </p:cBhvr>
-                                      <p:to>
-                                        <p:strVal val="visible"/>
-                                      </p:to>
-                                    </p:set>
-                                    <p:animEffect transition="in" filter="wheel(1)">
-                                      <p:cBhvr>
-                                        <p:cTn id="35" dur="2000"/>
-                                        <p:tgtEl>
-                                          <p:spTgt spid="3">
-                                            <p:txEl>
-                                              <p:pRg st="7" end="7"/>
                                             </p:txEl>
                                           </p:spTgt>
                                         </p:tgtEl>
@@ -12192,26 +12015,26 @@
                     </p:cTn>
                   </p:par>
                   <p:par>
-                    <p:cTn id="36" fill="hold">
+                    <p:cTn id="23" fill="hold">
                       <p:stCondLst>
                         <p:cond delay="indefinite"/>
                       </p:stCondLst>
                       <p:childTnLst>
                         <p:par>
-                          <p:cTn id="37" fill="hold">
+                          <p:cTn id="24" fill="hold">
                             <p:stCondLst>
                               <p:cond delay="0"/>
                             </p:stCondLst>
                             <p:childTnLst>
                               <p:par>
-                                <p:cTn id="38" presetID="21" presetClass="entr" presetSubtype="1" fill="hold" nodeType="clickEffect">
+                                <p:cTn id="25" presetID="21" presetClass="entr" presetSubtype="1" fill="hold" nodeType="clickEffect">
                                   <p:stCondLst>
                                     <p:cond delay="0"/>
                                   </p:stCondLst>
                                   <p:childTnLst>
                                     <p:set>
                                       <p:cBhvr>
-                                        <p:cTn id="39" dur="1" fill="hold">
+                                        <p:cTn id="26" dur="1" fill="hold">
                                           <p:stCondLst>
                                             <p:cond delay="0"/>
                                           </p:stCondLst>
@@ -12219,7 +12042,7 @@
                                         <p:tgtEl>
                                           <p:spTgt spid="3">
                                             <p:txEl>
-                                              <p:pRg st="8" end="8"/>
+                                              <p:pRg st="3" end="3"/>
                                             </p:txEl>
                                           </p:spTgt>
                                         </p:tgtEl>
@@ -12233,11 +12056,269 @@
                                     </p:set>
                                     <p:animEffect transition="in" filter="wheel(1)">
                                       <p:cBhvr>
-                                        <p:cTn id="40" dur="2000"/>
+                                        <p:cTn id="27" dur="2000"/>
+                                        <p:tgtEl>
+                                          <p:spTgt spid="3">
+                                            <p:txEl>
+                                              <p:pRg st="3" end="3"/>
+                                            </p:txEl>
+                                          </p:spTgt>
+                                        </p:tgtEl>
+                                      </p:cBhvr>
+                                    </p:animEffect>
+                                  </p:childTnLst>
+                                </p:cTn>
+                              </p:par>
+                              <p:par>
+                                <p:cTn id="28" presetID="21" presetClass="entr" presetSubtype="1" fill="hold" nodeType="withEffect">
+                                  <p:stCondLst>
+                                    <p:cond delay="0"/>
+                                  </p:stCondLst>
+                                  <p:childTnLst>
+                                    <p:set>
+                                      <p:cBhvr>
+                                        <p:cTn id="29" dur="1" fill="hold">
+                                          <p:stCondLst>
+                                            <p:cond delay="0"/>
+                                          </p:stCondLst>
+                                        </p:cTn>
+                                        <p:tgtEl>
+                                          <p:spTgt spid="3">
+                                            <p:txEl>
+                                              <p:pRg st="4" end="4"/>
+                                            </p:txEl>
+                                          </p:spTgt>
+                                        </p:tgtEl>
+                                        <p:attrNameLst>
+                                          <p:attrName>style.visibility</p:attrName>
+                                        </p:attrNameLst>
+                                      </p:cBhvr>
+                                      <p:to>
+                                        <p:strVal val="visible"/>
+                                      </p:to>
+                                    </p:set>
+                                    <p:animEffect transition="in" filter="wheel(1)">
+                                      <p:cBhvr>
+                                        <p:cTn id="30" dur="2000"/>
+                                        <p:tgtEl>
+                                          <p:spTgt spid="3">
+                                            <p:txEl>
+                                              <p:pRg st="4" end="4"/>
+                                            </p:txEl>
+                                          </p:spTgt>
+                                        </p:tgtEl>
+                                      </p:cBhvr>
+                                    </p:animEffect>
+                                  </p:childTnLst>
+                                </p:cTn>
+                              </p:par>
+                              <p:par>
+                                <p:cTn id="31" presetID="21" presetClass="entr" presetSubtype="1" fill="hold" nodeType="withEffect">
+                                  <p:stCondLst>
+                                    <p:cond delay="0"/>
+                                  </p:stCondLst>
+                                  <p:childTnLst>
+                                    <p:set>
+                                      <p:cBhvr>
+                                        <p:cTn id="32" dur="1" fill="hold">
+                                          <p:stCondLst>
+                                            <p:cond delay="0"/>
+                                          </p:stCondLst>
+                                        </p:cTn>
+                                        <p:tgtEl>
+                                          <p:spTgt spid="3">
+                                            <p:txEl>
+                                              <p:pRg st="5" end="5"/>
+                                            </p:txEl>
+                                          </p:spTgt>
+                                        </p:tgtEl>
+                                        <p:attrNameLst>
+                                          <p:attrName>style.visibility</p:attrName>
+                                        </p:attrNameLst>
+                                      </p:cBhvr>
+                                      <p:to>
+                                        <p:strVal val="visible"/>
+                                      </p:to>
+                                    </p:set>
+                                    <p:animEffect transition="in" filter="wheel(1)">
+                                      <p:cBhvr>
+                                        <p:cTn id="33" dur="2000"/>
+                                        <p:tgtEl>
+                                          <p:spTgt spid="3">
+                                            <p:txEl>
+                                              <p:pRg st="5" end="5"/>
+                                            </p:txEl>
+                                          </p:spTgt>
+                                        </p:tgtEl>
+                                      </p:cBhvr>
+                                    </p:animEffect>
+                                  </p:childTnLst>
+                                </p:cTn>
+                              </p:par>
+                              <p:par>
+                                <p:cTn id="34" presetID="21" presetClass="entr" presetSubtype="1" fill="hold" nodeType="withEffect">
+                                  <p:stCondLst>
+                                    <p:cond delay="0"/>
+                                  </p:stCondLst>
+                                  <p:childTnLst>
+                                    <p:set>
+                                      <p:cBhvr>
+                                        <p:cTn id="35" dur="1" fill="hold">
+                                          <p:stCondLst>
+                                            <p:cond delay="0"/>
+                                          </p:stCondLst>
+                                        </p:cTn>
+                                        <p:tgtEl>
+                                          <p:spTgt spid="3">
+                                            <p:txEl>
+                                              <p:pRg st="6" end="6"/>
+                                            </p:txEl>
+                                          </p:spTgt>
+                                        </p:tgtEl>
+                                        <p:attrNameLst>
+                                          <p:attrName>style.visibility</p:attrName>
+                                        </p:attrNameLst>
+                                      </p:cBhvr>
+                                      <p:to>
+                                        <p:strVal val="visible"/>
+                                      </p:to>
+                                    </p:set>
+                                    <p:animEffect transition="in" filter="wheel(1)">
+                                      <p:cBhvr>
+                                        <p:cTn id="36" dur="2000"/>
+                                        <p:tgtEl>
+                                          <p:spTgt spid="3">
+                                            <p:txEl>
+                                              <p:pRg st="6" end="6"/>
+                                            </p:txEl>
+                                          </p:spTgt>
+                                        </p:tgtEl>
+                                      </p:cBhvr>
+                                    </p:animEffect>
+                                  </p:childTnLst>
+                                </p:cTn>
+                              </p:par>
+                              <p:par>
+                                <p:cTn id="37" presetID="21" presetClass="entr" presetSubtype="1" fill="hold" nodeType="withEffect">
+                                  <p:stCondLst>
+                                    <p:cond delay="0"/>
+                                  </p:stCondLst>
+                                  <p:childTnLst>
+                                    <p:set>
+                                      <p:cBhvr>
+                                        <p:cTn id="38" dur="1" fill="hold">
+                                          <p:stCondLst>
+                                            <p:cond delay="0"/>
+                                          </p:stCondLst>
+                                        </p:cTn>
+                                        <p:tgtEl>
+                                          <p:spTgt spid="3">
+                                            <p:txEl>
+                                              <p:pRg st="7" end="7"/>
+                                            </p:txEl>
+                                          </p:spTgt>
+                                        </p:tgtEl>
+                                        <p:attrNameLst>
+                                          <p:attrName>style.visibility</p:attrName>
+                                        </p:attrNameLst>
+                                      </p:cBhvr>
+                                      <p:to>
+                                        <p:strVal val="visible"/>
+                                      </p:to>
+                                    </p:set>
+                                    <p:animEffect transition="in" filter="wheel(1)">
+                                      <p:cBhvr>
+                                        <p:cTn id="39" dur="2000"/>
+                                        <p:tgtEl>
+                                          <p:spTgt spid="3">
+                                            <p:txEl>
+                                              <p:pRg st="7" end="7"/>
+                                            </p:txEl>
+                                          </p:spTgt>
+                                        </p:tgtEl>
+                                      </p:cBhvr>
+                                    </p:animEffect>
+                                  </p:childTnLst>
+                                </p:cTn>
+                              </p:par>
+                              <p:par>
+                                <p:cTn id="40" presetID="21" presetClass="entr" presetSubtype="1" fill="hold" nodeType="withEffect">
+                                  <p:stCondLst>
+                                    <p:cond delay="0"/>
+                                  </p:stCondLst>
+                                  <p:childTnLst>
+                                    <p:set>
+                                      <p:cBhvr>
+                                        <p:cTn id="41" dur="1" fill="hold">
+                                          <p:stCondLst>
+                                            <p:cond delay="0"/>
+                                          </p:stCondLst>
+                                        </p:cTn>
                                         <p:tgtEl>
                                           <p:spTgt spid="3">
                                             <p:txEl>
                                               <p:pRg st="8" end="8"/>
+                                            </p:txEl>
+                                          </p:spTgt>
+                                        </p:tgtEl>
+                                        <p:attrNameLst>
+                                          <p:attrName>style.visibility</p:attrName>
+                                        </p:attrNameLst>
+                                      </p:cBhvr>
+                                      <p:to>
+                                        <p:strVal val="visible"/>
+                                      </p:to>
+                                    </p:set>
+                                    <p:animEffect transition="in" filter="wheel(1)">
+                                      <p:cBhvr>
+                                        <p:cTn id="42" dur="2000"/>
+                                        <p:tgtEl>
+                                          <p:spTgt spid="3">
+                                            <p:txEl>
+                                              <p:pRg st="8" end="8"/>
+                                            </p:txEl>
+                                          </p:spTgt>
+                                        </p:tgtEl>
+                                      </p:cBhvr>
+                                    </p:animEffect>
+                                  </p:childTnLst>
+                                </p:cTn>
+                              </p:par>
+                              <p:par>
+                                <p:cTn id="43" presetID="21" presetClass="entr" presetSubtype="1" fill="hold" nodeType="withEffect">
+                                  <p:stCondLst>
+                                    <p:cond delay="0"/>
+                                  </p:stCondLst>
+                                  <p:childTnLst>
+                                    <p:set>
+                                      <p:cBhvr>
+                                        <p:cTn id="44" dur="1" fill="hold">
+                                          <p:stCondLst>
+                                            <p:cond delay="0"/>
+                                          </p:stCondLst>
+                                        </p:cTn>
+                                        <p:tgtEl>
+                                          <p:spTgt spid="3">
+                                            <p:txEl>
+                                              <p:pRg st="9" end="9"/>
+                                            </p:txEl>
+                                          </p:spTgt>
+                                        </p:tgtEl>
+                                        <p:attrNameLst>
+                                          <p:attrName>style.visibility</p:attrName>
+                                        </p:attrNameLst>
+                                      </p:cBhvr>
+                                      <p:to>
+                                        <p:strVal val="visible"/>
+                                      </p:to>
+                                    </p:set>
+                                    <p:animEffect transition="in" filter="wheel(1)">
+                                      <p:cBhvr>
+                                        <p:cTn id="45" dur="2000"/>
+                                        <p:tgtEl>
+                                          <p:spTgt spid="3">
+                                            <p:txEl>
+                                              <p:pRg st="9" end="9"/>
                                             </p:txEl>
                                           </p:spTgt>
                                         </p:tgtEl>
@@ -12253,26 +12334,26 @@
                     </p:cTn>
                   </p:par>
                   <p:par>
-                    <p:cTn id="41" fill="hold">
+                    <p:cTn id="46" fill="hold">
                       <p:stCondLst>
                         <p:cond delay="indefinite"/>
                       </p:stCondLst>
                       <p:childTnLst>
                         <p:par>
-                          <p:cTn id="42" fill="hold">
+                          <p:cTn id="47" fill="hold">
                             <p:stCondLst>
                               <p:cond delay="0"/>
                             </p:stCondLst>
                             <p:childTnLst>
                               <p:par>
-                                <p:cTn id="43" presetID="21" presetClass="entr" presetSubtype="1" fill="hold" nodeType="clickEffect">
+                                <p:cTn id="48" presetID="21" presetClass="entr" presetSubtype="1" fill="hold" nodeType="clickEffect">
                                   <p:stCondLst>
                                     <p:cond delay="0"/>
                                   </p:stCondLst>
                                   <p:childTnLst>
                                     <p:set>
                                       <p:cBhvr>
-                                        <p:cTn id="44" dur="1" fill="hold">
+                                        <p:cTn id="49" dur="1" fill="hold">
                                           <p:stCondLst>
                                             <p:cond delay="0"/>
                                           </p:stCondLst>
@@ -12280,7 +12361,7 @@
                                         <p:tgtEl>
                                           <p:spTgt spid="3">
                                             <p:txEl>
-                                              <p:pRg st="9" end="9"/>
+                                              <p:pRg st="10" end="10"/>
                                             </p:txEl>
                                           </p:spTgt>
                                         </p:tgtEl>
@@ -12294,11 +12375,133 @@
                                     </p:set>
                                     <p:animEffect transition="in" filter="wheel(1)">
                                       <p:cBhvr>
-                                        <p:cTn id="45" dur="2000"/>
-                                        <p:tgtEl>
-                                          <p:spTgt spid="3">
-                                            <p:txEl>
-                                              <p:pRg st="9" end="9"/>
+                                        <p:cTn id="50" dur="2000"/>
+                                        <p:tgtEl>
+                                          <p:spTgt spid="3">
+                                            <p:txEl>
+                                              <p:pRg st="10" end="10"/>
+                                            </p:txEl>
+                                          </p:spTgt>
+                                        </p:tgtEl>
+                                      </p:cBhvr>
+                                    </p:animEffect>
+                                  </p:childTnLst>
+                                </p:cTn>
+                              </p:par>
+                            </p:childTnLst>
+                          </p:cTn>
+                        </p:par>
+                      </p:childTnLst>
+                    </p:cTn>
+                  </p:par>
+                  <p:par>
+                    <p:cTn id="51" fill="hold">
+                      <p:stCondLst>
+                        <p:cond delay="indefinite"/>
+                      </p:stCondLst>
+                      <p:childTnLst>
+                        <p:par>
+                          <p:cTn id="52" fill="hold">
+                            <p:stCondLst>
+                              <p:cond delay="0"/>
+                            </p:stCondLst>
+                            <p:childTnLst>
+                              <p:par>
+                                <p:cTn id="53" presetID="21" presetClass="entr" presetSubtype="1" fill="hold" nodeType="clickEffect">
+                                  <p:stCondLst>
+                                    <p:cond delay="0"/>
+                                  </p:stCondLst>
+                                  <p:childTnLst>
+                                    <p:set>
+                                      <p:cBhvr>
+                                        <p:cTn id="54" dur="1" fill="hold">
+                                          <p:stCondLst>
+                                            <p:cond delay="0"/>
+                                          </p:stCondLst>
+                                        </p:cTn>
+                                        <p:tgtEl>
+                                          <p:spTgt spid="3">
+                                            <p:txEl>
+                                              <p:pRg st="11" end="11"/>
+                                            </p:txEl>
+                                          </p:spTgt>
+                                        </p:tgtEl>
+                                        <p:attrNameLst>
+                                          <p:attrName>style.visibility</p:attrName>
+                                        </p:attrNameLst>
+                                      </p:cBhvr>
+                                      <p:to>
+                                        <p:strVal val="visible"/>
+                                      </p:to>
+                                    </p:set>
+                                    <p:animEffect transition="in" filter="wheel(1)">
+                                      <p:cBhvr>
+                                        <p:cTn id="55" dur="2000"/>
+                                        <p:tgtEl>
+                                          <p:spTgt spid="3">
+                                            <p:txEl>
+                                              <p:pRg st="11" end="11"/>
+                                            </p:txEl>
+                                          </p:spTgt>
+                                        </p:tgtEl>
+                                      </p:cBhvr>
+                                    </p:animEffect>
+                                  </p:childTnLst>
+                                </p:cTn>
+                              </p:par>
+                            </p:childTnLst>
+                          </p:cTn>
+                        </p:par>
+                      </p:childTnLst>
+                    </p:cTn>
+                  </p:par>
+                  <p:par>
+                    <p:cTn id="56" fill="hold">
+                      <p:stCondLst>
+                        <p:cond delay="indefinite"/>
+                      </p:stCondLst>
+                      <p:childTnLst>
+                        <p:par>
+                          <p:cTn id="57" fill="hold">
+                            <p:stCondLst>
+                              <p:cond delay="0"/>
+                            </p:stCondLst>
+                            <p:childTnLst>
+                              <p:par>
+                                <p:cTn id="58" presetID="21" presetClass="entr" presetSubtype="1" fill="hold" nodeType="clickEffect">
+                                  <p:stCondLst>
+                                    <p:cond delay="0"/>
+                                  </p:stCondLst>
+                                  <p:childTnLst>
+                                    <p:set>
+                                      <p:cBhvr>
+                                        <p:cTn id="59" dur="1" fill="hold">
+                                          <p:stCondLst>
+                                            <p:cond delay="0"/>
+                                          </p:stCondLst>
+                                        </p:cTn>
+                                        <p:tgtEl>
+                                          <p:spTgt spid="3">
+                                            <p:txEl>
+                                              <p:pRg st="12" end="12"/>
+                                            </p:txEl>
+                                          </p:spTgt>
+                                        </p:tgtEl>
+                                        <p:attrNameLst>
+                                          <p:attrName>style.visibility</p:attrName>
+                                        </p:attrNameLst>
+                                      </p:cBhvr>
+                                      <p:to>
+                                        <p:strVal val="visible"/>
+                                      </p:to>
+                                    </p:set>
+                                    <p:animEffect transition="in" filter="wheel(1)">
+                                      <p:cBhvr>
+                                        <p:cTn id="60" dur="2000"/>
+                                        <p:tgtEl>
+                                          <p:spTgt spid="3">
+                                            <p:txEl>
+                                              <p:pRg st="12" end="12"/>
                                             </p:txEl>
                                           </p:spTgt>
                                         </p:tgtEl>

--- a/Презентация за Описание на моя уебсайт lyubiteli na vlakove.great-site.com.pptx
+++ b/Презентация за Описание на моя уебсайт lyubiteli na vlakove.great-site.com.pptx
@@ -11574,8 +11574,8 @@
         </p:nvSpPr>
         <p:spPr>
           <a:xfrm>
-            <a:off x="142044" y="2157274"/>
-            <a:ext cx="11771790" cy="4554244"/>
+            <a:off x="0" y="2157274"/>
+            <a:ext cx="12192000" cy="4700726"/>
           </a:xfrm>
         </p:spPr>
         <p:txBody>
@@ -11747,7 +11747,14 @@
             </a:r>
             <a:r>
               <a:rPr lang="bg-BG" dirty="0"/>
-              <a:t>адреса на моя уебсайт: </a:t>
+              <a:t>адреса на моя уебсайт:</a:t>
+            </a:r>
+            <a:endParaRPr lang="en-US" dirty="0"/>
+          </a:p>
+          <a:p>
+            <a:r>
+              <a:rPr lang="bg-BG" dirty="0"/>
+              <a:t> </a:t>
             </a:r>
             <a:r>
               <a:rPr lang="en-US" dirty="0"/>
@@ -12502,6 +12509,67 @@
                                           <p:spTgt spid="3">
                                             <p:txEl>
                                               <p:pRg st="12" end="12"/>
+                                            </p:txEl>
+                                          </p:spTgt>
+                                        </p:tgtEl>
+                                      </p:cBhvr>
+                                    </p:animEffect>
+                                  </p:childTnLst>
+                                </p:cTn>
+                              </p:par>
+                            </p:childTnLst>
+                          </p:cTn>
+                        </p:par>
+                      </p:childTnLst>
+                    </p:cTn>
+                  </p:par>
+                  <p:par>
+                    <p:cTn id="61" fill="hold">
+                      <p:stCondLst>
+                        <p:cond delay="indefinite"/>
+                      </p:stCondLst>
+                      <p:childTnLst>
+                        <p:par>
+                          <p:cTn id="62" fill="hold">
+                            <p:stCondLst>
+                              <p:cond delay="0"/>
+                            </p:stCondLst>
+                            <p:childTnLst>
+                              <p:par>
+                                <p:cTn id="63" presetID="21" presetClass="entr" presetSubtype="1" fill="hold" nodeType="clickEffect">
+                                  <p:stCondLst>
+                                    <p:cond delay="0"/>
+                                  </p:stCondLst>
+                                  <p:childTnLst>
+                                    <p:set>
+                                      <p:cBhvr>
+                                        <p:cTn id="64" dur="1" fill="hold">
+                                          <p:stCondLst>
+                                            <p:cond delay="0"/>
+                                          </p:stCondLst>
+                                        </p:cTn>
+                                        <p:tgtEl>
+                                          <p:spTgt spid="3">
+                                            <p:txEl>
+                                              <p:pRg st="13" end="13"/>
+                                            </p:txEl>
+                                          </p:spTgt>
+                                        </p:tgtEl>
+                                        <p:attrNameLst>
+                                          <p:attrName>style.visibility</p:attrName>
+                                        </p:attrNameLst>
+                                      </p:cBhvr>
+                                      <p:to>
+                                        <p:strVal val="visible"/>
+                                      </p:to>
+                                    </p:set>
+                                    <p:animEffect transition="in" filter="wheel(1)">
+                                      <p:cBhvr>
+                                        <p:cTn id="65" dur="2000"/>
+                                        <p:tgtEl>
+                                          <p:spTgt spid="3">
+                                            <p:txEl>
+                                              <p:pRg st="13" end="13"/>
                                             </p:txEl>
                                           </p:spTgt>
                                         </p:tgtEl>

--- a/Презентация за Описание на моя уебсайт lyubiteli na vlakove.great-site.com.pptx
+++ b/Презентация за Описание на моя уебсайт lyubiteli na vlakove.great-site.com.pptx
@@ -11758,7 +11758,11 @@
             </a:r>
             <a:r>
               <a:rPr lang="en-US" dirty="0"/>
-              <a:t>lyubitelizavlakove.great-site.net.</a:t>
+              <a:t>lyubitelizavlakove.great-site</a:t>
+            </a:r>
+            <a:r>
+              <a:rPr lang="en-US"/>
+              <a:t>.net</a:t>
             </a:r>
             <a:endParaRPr lang="bg-BG" dirty="0"/>
           </a:p>

--- a/Презентация за Описание на моя уебсайт lyubiteli na vlakove.great-site.com.pptx
+++ b/Презентация за Описание на моя уебсайт lyubiteli na vlakove.great-site.com.pptx
@@ -9322,6 +9322,18 @@
   <p:clrMapOvr>
     <a:masterClrMapping/>
   </p:clrMapOvr>
+  <mc:AlternateContent xmlns:mc="http://schemas.openxmlformats.org/markup-compatibility/2006" xmlns:p14="http://schemas.microsoft.com/office/powerpoint/2010/main">
+    <mc:Choice Requires="p14">
+      <p:transition spd="slow" p14:dur="1500">
+        <p:split orient="vert"/>
+      </p:transition>
+    </mc:Choice>
+    <mc:Fallback xmlns="">
+      <p:transition spd="slow">
+        <p:split orient="vert"/>
+      </p:transition>
+    </mc:Fallback>
+  </mc:AlternateContent>
 </p:sld>
 </file>
 
@@ -9451,6 +9463,18 @@
   <p:clrMapOvr>
     <a:masterClrMapping/>
   </p:clrMapOvr>
+  <mc:AlternateContent xmlns:mc="http://schemas.openxmlformats.org/markup-compatibility/2006" xmlns:p14="http://schemas.microsoft.com/office/powerpoint/2010/main">
+    <mc:Choice Requires="p14">
+      <p:transition spd="slow">
+        <p14:flash/>
+      </p:transition>
+    </mc:Choice>
+    <mc:Fallback xmlns="">
+      <p:transition spd="slow">
+        <p:fade/>
+      </p:transition>
+    </mc:Fallback>
+  </mc:AlternateContent>
 </p:sld>
 </file>
 
